--- a/final_report/graphics/taxonomy.pptx
+++ b/final_report/graphics/taxonomy.pptx
@@ -129,6 +129,238 @@
 <file path=ppt/changesInfos/changesInfo1.xml><?xml version="1.0" encoding="utf-8"?>
 <pc:chgInfo xmlns:a="http://schemas.openxmlformats.org/drawingml/2006/main" xmlns:r="http://schemas.openxmlformats.org/officeDocument/2006/relationships" xmlns:ac="http://schemas.microsoft.com/office/drawing/2013/main/command" xmlns:pc="http://schemas.microsoft.com/office/powerpoint/2013/main/command">
   <pc:docChgLst>
+    <pc:chgData name="Milijana Surbatovich" userId="34f022815c94af0f" providerId="LiveId" clId="{510379D6-8677-4EF2-B5EC-DAB52A1FFB16}"/>
+    <pc:docChg chg="undo custSel modSld">
+      <pc:chgData name="Milijana Surbatovich" userId="34f022815c94af0f" providerId="LiveId" clId="{510379D6-8677-4EF2-B5EC-DAB52A1FFB16}" dt="2018-05-07T18:33:08.101" v="281" actId="1076"/>
+      <pc:docMkLst>
+        <pc:docMk/>
+      </pc:docMkLst>
+      <pc:sldChg chg="addSp delSp modSp">
+        <pc:chgData name="Milijana Surbatovich" userId="34f022815c94af0f" providerId="LiveId" clId="{510379D6-8677-4EF2-B5EC-DAB52A1FFB16}" dt="2018-05-07T18:33:08.101" v="281" actId="1076"/>
+        <pc:sldMkLst>
+          <pc:docMk/>
+          <pc:sldMk cId="866810324" sldId="256"/>
+        </pc:sldMkLst>
+        <pc:spChg chg="add mod">
+          <ac:chgData name="Milijana Surbatovich" userId="34f022815c94af0f" providerId="LiveId" clId="{510379D6-8677-4EF2-B5EC-DAB52A1FFB16}" dt="2018-05-07T18:15:02.929" v="95" actId="1076"/>
+          <ac:spMkLst>
+            <pc:docMk/>
+            <pc:sldMk cId="866810324" sldId="256"/>
+            <ac:spMk id="4" creationId="{F41F9602-F0FE-4A47-94E1-22A8F043B260}"/>
+          </ac:spMkLst>
+        </pc:spChg>
+        <pc:spChg chg="mod">
+          <ac:chgData name="Milijana Surbatovich" userId="34f022815c94af0f" providerId="LiveId" clId="{510379D6-8677-4EF2-B5EC-DAB52A1FFB16}" dt="2018-05-07T18:30:58.672" v="256" actId="208"/>
+          <ac:spMkLst>
+            <pc:docMk/>
+            <pc:sldMk cId="866810324" sldId="256"/>
+            <ac:spMk id="5" creationId="{CAFB2BF8-4304-4A4D-99AF-6AF4AEED58D4}"/>
+          </ac:spMkLst>
+        </pc:spChg>
+        <pc:spChg chg="mod">
+          <ac:chgData name="Milijana Surbatovich" userId="34f022815c94af0f" providerId="LiveId" clId="{510379D6-8677-4EF2-B5EC-DAB52A1FFB16}" dt="2018-05-07T18:32:07.917" v="269" actId="1076"/>
+          <ac:spMkLst>
+            <pc:docMk/>
+            <pc:sldMk cId="866810324" sldId="256"/>
+            <ac:spMk id="9" creationId="{E62C4133-856F-455E-917A-7BDECDA9EDD2}"/>
+          </ac:spMkLst>
+        </pc:spChg>
+        <pc:spChg chg="del">
+          <ac:chgData name="Milijana Surbatovich" userId="34f022815c94af0f" providerId="LiveId" clId="{510379D6-8677-4EF2-B5EC-DAB52A1FFB16}" dt="2018-05-07T18:09:58.446" v="0" actId="478"/>
+          <ac:spMkLst>
+            <pc:docMk/>
+            <pc:sldMk cId="866810324" sldId="256"/>
+            <ac:spMk id="10" creationId="{1B079BE4-4ACF-44AB-AF07-BE0B2D3F253E}"/>
+          </ac:spMkLst>
+        </pc:spChg>
+        <pc:spChg chg="mod">
+          <ac:chgData name="Milijana Surbatovich" userId="34f022815c94af0f" providerId="LiveId" clId="{510379D6-8677-4EF2-B5EC-DAB52A1FFB16}" dt="2018-05-07T18:31:02.436" v="257" actId="208"/>
+          <ac:spMkLst>
+            <pc:docMk/>
+            <pc:sldMk cId="866810324" sldId="256"/>
+            <ac:spMk id="11" creationId="{810F3EA1-94BC-444E-8359-DA9DE7ABEE56}"/>
+          </ac:spMkLst>
+        </pc:spChg>
+        <pc:spChg chg="mod">
+          <ac:chgData name="Milijana Surbatovich" userId="34f022815c94af0f" providerId="LiveId" clId="{510379D6-8677-4EF2-B5EC-DAB52A1FFB16}" dt="2018-05-07T18:32:56.634" v="278" actId="1076"/>
+          <ac:spMkLst>
+            <pc:docMk/>
+            <pc:sldMk cId="866810324" sldId="256"/>
+            <ac:spMk id="13" creationId="{E4E5A2D8-72B7-446F-8245-AA9E4F518E01}"/>
+          </ac:spMkLst>
+        </pc:spChg>
+        <pc:spChg chg="mod">
+          <ac:chgData name="Milijana Surbatovich" userId="34f022815c94af0f" providerId="LiveId" clId="{510379D6-8677-4EF2-B5EC-DAB52A1FFB16}" dt="2018-05-07T18:33:00.181" v="279" actId="1076"/>
+          <ac:spMkLst>
+            <pc:docMk/>
+            <pc:sldMk cId="866810324" sldId="256"/>
+            <ac:spMk id="14" creationId="{1DA256AE-94E2-419E-87FA-665EE0AA89CE}"/>
+          </ac:spMkLst>
+        </pc:spChg>
+        <pc:spChg chg="mod">
+          <ac:chgData name="Milijana Surbatovich" userId="34f022815c94af0f" providerId="LiveId" clId="{510379D6-8677-4EF2-B5EC-DAB52A1FFB16}" dt="2018-05-07T18:32:03.289" v="268" actId="1076"/>
+          <ac:spMkLst>
+            <pc:docMk/>
+            <pc:sldMk cId="866810324" sldId="256"/>
+            <ac:spMk id="28" creationId="{E5B97087-EC94-4596-B3F5-3FF8C66E243A}"/>
+          </ac:spMkLst>
+        </pc:spChg>
+        <pc:spChg chg="mod">
+          <ac:chgData name="Milijana Surbatovich" userId="34f022815c94af0f" providerId="LiveId" clId="{510379D6-8677-4EF2-B5EC-DAB52A1FFB16}" dt="2018-05-07T18:33:08.101" v="281" actId="1076"/>
+          <ac:spMkLst>
+            <pc:docMk/>
+            <pc:sldMk cId="866810324" sldId="256"/>
+            <ac:spMk id="31" creationId="{A4EE0277-5648-46C7-9A2F-A2099A39FEA1}"/>
+          </ac:spMkLst>
+        </pc:spChg>
+        <pc:spChg chg="del">
+          <ac:chgData name="Milijana Surbatovich" userId="34f022815c94af0f" providerId="LiveId" clId="{510379D6-8677-4EF2-B5EC-DAB52A1FFB16}" dt="2018-05-07T18:10:00.969" v="1" actId="478"/>
+          <ac:spMkLst>
+            <pc:docMk/>
+            <pc:sldMk cId="866810324" sldId="256"/>
+            <ac:spMk id="33" creationId="{E3FACBB3-F2CD-45BB-9A5B-5AA665280456}"/>
+          </ac:spMkLst>
+        </pc:spChg>
+        <pc:spChg chg="mod">
+          <ac:chgData name="Milijana Surbatovich" userId="34f022815c94af0f" providerId="LiveId" clId="{510379D6-8677-4EF2-B5EC-DAB52A1FFB16}" dt="2018-05-07T18:32:41.306" v="274" actId="1076"/>
+          <ac:spMkLst>
+            <pc:docMk/>
+            <pc:sldMk cId="866810324" sldId="256"/>
+            <ac:spMk id="36" creationId="{2EF8F0AE-C231-41F9-B7E8-C47D16F5E0FD}"/>
+          </ac:spMkLst>
+        </pc:spChg>
+        <pc:spChg chg="add mod">
+          <ac:chgData name="Milijana Surbatovich" userId="34f022815c94af0f" providerId="LiveId" clId="{510379D6-8677-4EF2-B5EC-DAB52A1FFB16}" dt="2018-05-07T18:15:33.113" v="122" actId="1076"/>
+          <ac:spMkLst>
+            <pc:docMk/>
+            <pc:sldMk cId="866810324" sldId="256"/>
+            <ac:spMk id="37" creationId="{C82CEE56-484F-431E-AC5B-7523C607294D}"/>
+          </ac:spMkLst>
+        </pc:spChg>
+        <pc:spChg chg="add mod">
+          <ac:chgData name="Milijana Surbatovich" userId="34f022815c94af0f" providerId="LiveId" clId="{510379D6-8677-4EF2-B5EC-DAB52A1FFB16}" dt="2018-05-07T18:32:13.595" v="270" actId="1076"/>
+          <ac:spMkLst>
+            <pc:docMk/>
+            <pc:sldMk cId="866810324" sldId="256"/>
+            <ac:spMk id="38" creationId="{5D2B5DC2-AE0E-44E5-81E9-06A464F3BBB1}"/>
+          </ac:spMkLst>
+        </pc:spChg>
+        <pc:spChg chg="add mod">
+          <ac:chgData name="Milijana Surbatovich" userId="34f022815c94af0f" providerId="LiveId" clId="{510379D6-8677-4EF2-B5EC-DAB52A1FFB16}" dt="2018-05-07T18:31:19.246" v="259" actId="1076"/>
+          <ac:spMkLst>
+            <pc:docMk/>
+            <pc:sldMk cId="866810324" sldId="256"/>
+            <ac:spMk id="39" creationId="{DC6B8095-D871-4C95-8364-E1A998E590DF}"/>
+          </ac:spMkLst>
+        </pc:spChg>
+        <pc:spChg chg="add mod">
+          <ac:chgData name="Milijana Surbatovich" userId="34f022815c94af0f" providerId="LiveId" clId="{510379D6-8677-4EF2-B5EC-DAB52A1FFB16}" dt="2018-05-07T18:29:17.478" v="217" actId="1076"/>
+          <ac:spMkLst>
+            <pc:docMk/>
+            <pc:sldMk cId="866810324" sldId="256"/>
+            <ac:spMk id="40" creationId="{73AB6B3B-2360-44C4-A678-E3B5EA19DBA1}"/>
+          </ac:spMkLst>
+        </pc:spChg>
+        <pc:spChg chg="del mod">
+          <ac:chgData name="Milijana Surbatovich" userId="34f022815c94af0f" providerId="LiveId" clId="{510379D6-8677-4EF2-B5EC-DAB52A1FFB16}" dt="2018-05-07T18:14:54.067" v="94" actId="478"/>
+          <ac:spMkLst>
+            <pc:docMk/>
+            <pc:sldMk cId="866810324" sldId="256"/>
+            <ac:spMk id="43" creationId="{8497FBAE-AE69-4810-B463-79AFCE9F56E4}"/>
+          </ac:spMkLst>
+        </pc:spChg>
+        <pc:spChg chg="del mod">
+          <ac:chgData name="Milijana Surbatovich" userId="34f022815c94af0f" providerId="LiveId" clId="{510379D6-8677-4EF2-B5EC-DAB52A1FFB16}" dt="2018-05-07T18:26:46.140" v="162" actId="478"/>
+          <ac:spMkLst>
+            <pc:docMk/>
+            <pc:sldMk cId="866810324" sldId="256"/>
+            <ac:spMk id="48" creationId="{E90EA782-E227-4E14-B536-414B0360471F}"/>
+          </ac:spMkLst>
+        </pc:spChg>
+        <pc:spChg chg="del mod">
+          <ac:chgData name="Milijana Surbatovich" userId="34f022815c94af0f" providerId="LiveId" clId="{510379D6-8677-4EF2-B5EC-DAB52A1FFB16}" dt="2018-05-07T18:15:28.423" v="121" actId="478"/>
+          <ac:spMkLst>
+            <pc:docMk/>
+            <pc:sldMk cId="866810324" sldId="256"/>
+            <ac:spMk id="50" creationId="{CA65F253-74C8-4282-87AD-C4B93A2269B4}"/>
+          </ac:spMkLst>
+        </pc:spChg>
+        <pc:spChg chg="del mod">
+          <ac:chgData name="Milijana Surbatovich" userId="34f022815c94af0f" providerId="LiveId" clId="{510379D6-8677-4EF2-B5EC-DAB52A1FFB16}" dt="2018-05-07T18:27:48.296" v="215" actId="478"/>
+          <ac:spMkLst>
+            <pc:docMk/>
+            <pc:sldMk cId="866810324" sldId="256"/>
+            <ac:spMk id="51" creationId="{7858D214-2DE4-471B-8C8E-AA7E08DA1BAC}"/>
+          </ac:spMkLst>
+        </pc:spChg>
+        <pc:spChg chg="del">
+          <ac:chgData name="Milijana Surbatovich" userId="34f022815c94af0f" providerId="LiveId" clId="{510379D6-8677-4EF2-B5EC-DAB52A1FFB16}" dt="2018-05-07T18:29:45.876" v="247" actId="478"/>
+          <ac:spMkLst>
+            <pc:docMk/>
+            <pc:sldMk cId="866810324" sldId="256"/>
+            <ac:spMk id="52" creationId="{B2E7B031-94FE-4897-87BB-EDD3570FA312}"/>
+          </ac:spMkLst>
+        </pc:spChg>
+        <pc:cxnChg chg="del">
+          <ac:chgData name="Milijana Surbatovich" userId="34f022815c94af0f" providerId="LiveId" clId="{510379D6-8677-4EF2-B5EC-DAB52A1FFB16}" dt="2018-05-07T18:10:03.578" v="2" actId="478"/>
+          <ac:cxnSpMkLst>
+            <pc:docMk/>
+            <pc:sldMk cId="866810324" sldId="256"/>
+            <ac:cxnSpMk id="17" creationId="{7EC32797-5D9D-4EDC-AED5-7F3DB5370DC4}"/>
+          </ac:cxnSpMkLst>
+        </pc:cxnChg>
+        <pc:cxnChg chg="mod">
+          <ac:chgData name="Milijana Surbatovich" userId="34f022815c94af0f" providerId="LiveId" clId="{510379D6-8677-4EF2-B5EC-DAB52A1FFB16}" dt="2018-05-07T18:32:43.635" v="275" actId="1076"/>
+          <ac:cxnSpMkLst>
+            <pc:docMk/>
+            <pc:sldMk cId="866810324" sldId="256"/>
+            <ac:cxnSpMk id="19" creationId="{919680B7-68C3-43C8-B252-895B8A631521}"/>
+          </ac:cxnSpMkLst>
+        </pc:cxnChg>
+        <pc:cxnChg chg="mod">
+          <ac:chgData name="Milijana Surbatovich" userId="34f022815c94af0f" providerId="LiveId" clId="{510379D6-8677-4EF2-B5EC-DAB52A1FFB16}" dt="2018-05-07T18:31:28.761" v="262" actId="14100"/>
+          <ac:cxnSpMkLst>
+            <pc:docMk/>
+            <pc:sldMk cId="866810324" sldId="256"/>
+            <ac:cxnSpMk id="20" creationId="{21760CCF-409D-41A0-AB6A-D17E84278CD2}"/>
+          </ac:cxnSpMkLst>
+        </pc:cxnChg>
+        <pc:cxnChg chg="mod">
+          <ac:chgData name="Milijana Surbatovich" userId="34f022815c94af0f" providerId="LiveId" clId="{510379D6-8677-4EF2-B5EC-DAB52A1FFB16}" dt="2018-05-07T18:31:35.447" v="263" actId="14100"/>
+          <ac:cxnSpMkLst>
+            <pc:docMk/>
+            <pc:sldMk cId="866810324" sldId="256"/>
+            <ac:cxnSpMk id="23" creationId="{5D6CC2B4-E1D1-42E3-806B-5A09FE788DFE}"/>
+          </ac:cxnSpMkLst>
+        </pc:cxnChg>
+        <pc:cxnChg chg="mod">
+          <ac:chgData name="Milijana Surbatovich" userId="34f022815c94af0f" providerId="LiveId" clId="{510379D6-8677-4EF2-B5EC-DAB52A1FFB16}" dt="2018-05-07T18:32:26.218" v="273" actId="14100"/>
+          <ac:cxnSpMkLst>
+            <pc:docMk/>
+            <pc:sldMk cId="866810324" sldId="256"/>
+            <ac:cxnSpMk id="25" creationId="{9F027084-0637-4EEF-A06E-FDF6568DA454}"/>
+          </ac:cxnSpMkLst>
+        </pc:cxnChg>
+        <pc:cxnChg chg="mod">
+          <ac:chgData name="Milijana Surbatovich" userId="34f022815c94af0f" providerId="LiveId" clId="{510379D6-8677-4EF2-B5EC-DAB52A1FFB16}" dt="2018-05-07T18:31:59.008" v="267" actId="14100"/>
+          <ac:cxnSpMkLst>
+            <pc:docMk/>
+            <pc:sldMk cId="866810324" sldId="256"/>
+            <ac:cxnSpMk id="26" creationId="{816C668F-316F-4344-A806-FC90A23BBE73}"/>
+          </ac:cxnSpMkLst>
+        </pc:cxnChg>
+        <pc:cxnChg chg="mod">
+          <ac:chgData name="Milijana Surbatovich" userId="34f022815c94af0f" providerId="LiveId" clId="{510379D6-8677-4EF2-B5EC-DAB52A1FFB16}" dt="2018-05-07T18:33:03.087" v="280" actId="14100"/>
+          <ac:cxnSpMkLst>
+            <pc:docMk/>
+            <pc:sldMk cId="866810324" sldId="256"/>
+            <ac:cxnSpMk id="27" creationId="{926290FC-B0E0-4BCD-987A-768A86F7AA2B}"/>
+          </ac:cxnSpMkLst>
+        </pc:cxnChg>
+      </pc:sldChg>
+    </pc:docChg>
+  </pc:docChgLst>
+  <pc:docChgLst>
     <pc:chgData name="Milijana Surbatovich" userId="34f022815c94af0f" providerId="LiveId" clId="{B78F4386-5B10-4DD6-8F31-7444BD0F4694}"/>
     <pc:docChg chg="undo custSel modSld">
       <pc:chgData name="Milijana Surbatovich" userId="34f022815c94af0f" providerId="LiveId" clId="{B78F4386-5B10-4DD6-8F31-7444BD0F4694}" dt="2018-03-12T17:07:15.925" v="955" actId="14100"/>
@@ -621,7 +853,7 @@
           <a:p>
             <a:fld id="{B26E40D7-44E3-4FD0-965D-613EB9128311}" type="datetimeFigureOut">
               <a:rPr lang="en-US" smtClean="0"/>
-              <a:t>3/12/2018</a:t>
+              <a:t>5/7/2018</a:t>
             </a:fld>
             <a:endParaRPr lang="en-US"/>
           </a:p>
@@ -1120,7 +1352,7 @@
           <a:p>
             <a:fld id="{74BA40CE-0605-45E3-9169-3316A923F6AC}" type="datetimeFigureOut">
               <a:rPr lang="en-US" smtClean="0"/>
-              <a:t>3/12/2018</a:t>
+              <a:t>5/7/2018</a:t>
             </a:fld>
             <a:endParaRPr lang="en-US"/>
           </a:p>
@@ -1290,7 +1522,7 @@
           <a:p>
             <a:fld id="{74BA40CE-0605-45E3-9169-3316A923F6AC}" type="datetimeFigureOut">
               <a:rPr lang="en-US" smtClean="0"/>
-              <a:t>3/12/2018</a:t>
+              <a:t>5/7/2018</a:t>
             </a:fld>
             <a:endParaRPr lang="en-US"/>
           </a:p>
@@ -1470,7 +1702,7 @@
           <a:p>
             <a:fld id="{74BA40CE-0605-45E3-9169-3316A923F6AC}" type="datetimeFigureOut">
               <a:rPr lang="en-US" smtClean="0"/>
-              <a:t>3/12/2018</a:t>
+              <a:t>5/7/2018</a:t>
             </a:fld>
             <a:endParaRPr lang="en-US"/>
           </a:p>
@@ -1640,7 +1872,7 @@
           <a:p>
             <a:fld id="{74BA40CE-0605-45E3-9169-3316A923F6AC}" type="datetimeFigureOut">
               <a:rPr lang="en-US" smtClean="0"/>
-              <a:t>3/12/2018</a:t>
+              <a:t>5/7/2018</a:t>
             </a:fld>
             <a:endParaRPr lang="en-US"/>
           </a:p>
@@ -1884,7 +2116,7 @@
           <a:p>
             <a:fld id="{74BA40CE-0605-45E3-9169-3316A923F6AC}" type="datetimeFigureOut">
               <a:rPr lang="en-US" smtClean="0"/>
-              <a:t>3/12/2018</a:t>
+              <a:t>5/7/2018</a:t>
             </a:fld>
             <a:endParaRPr lang="en-US"/>
           </a:p>
@@ -2116,7 +2348,7 @@
           <a:p>
             <a:fld id="{74BA40CE-0605-45E3-9169-3316A923F6AC}" type="datetimeFigureOut">
               <a:rPr lang="en-US" smtClean="0"/>
-              <a:t>3/12/2018</a:t>
+              <a:t>5/7/2018</a:t>
             </a:fld>
             <a:endParaRPr lang="en-US"/>
           </a:p>
@@ -2483,7 +2715,7 @@
           <a:p>
             <a:fld id="{74BA40CE-0605-45E3-9169-3316A923F6AC}" type="datetimeFigureOut">
               <a:rPr lang="en-US" smtClean="0"/>
-              <a:t>3/12/2018</a:t>
+              <a:t>5/7/2018</a:t>
             </a:fld>
             <a:endParaRPr lang="en-US"/>
           </a:p>
@@ -2601,7 +2833,7 @@
           <a:p>
             <a:fld id="{74BA40CE-0605-45E3-9169-3316A923F6AC}" type="datetimeFigureOut">
               <a:rPr lang="en-US" smtClean="0"/>
-              <a:t>3/12/2018</a:t>
+              <a:t>5/7/2018</a:t>
             </a:fld>
             <a:endParaRPr lang="en-US"/>
           </a:p>
@@ -2696,7 +2928,7 @@
           <a:p>
             <a:fld id="{74BA40CE-0605-45E3-9169-3316A923F6AC}" type="datetimeFigureOut">
               <a:rPr lang="en-US" smtClean="0"/>
-              <a:t>3/12/2018</a:t>
+              <a:t>5/7/2018</a:t>
             </a:fld>
             <a:endParaRPr lang="en-US"/>
           </a:p>
@@ -2973,7 +3205,7 @@
           <a:p>
             <a:fld id="{74BA40CE-0605-45E3-9169-3316A923F6AC}" type="datetimeFigureOut">
               <a:rPr lang="en-US" smtClean="0"/>
-              <a:t>3/12/2018</a:t>
+              <a:t>5/7/2018</a:t>
             </a:fld>
             <a:endParaRPr lang="en-US"/>
           </a:p>
@@ -3230,7 +3462,7 @@
           <a:p>
             <a:fld id="{74BA40CE-0605-45E3-9169-3316A923F6AC}" type="datetimeFigureOut">
               <a:rPr lang="en-US" smtClean="0"/>
-              <a:t>3/12/2018</a:t>
+              <a:t>5/7/2018</a:t>
             </a:fld>
             <a:endParaRPr lang="en-US"/>
           </a:p>
@@ -3443,7 +3675,7 @@
           <a:p>
             <a:fld id="{74BA40CE-0605-45E3-9169-3316A923F6AC}" type="datetimeFigureOut">
               <a:rPr lang="en-US" smtClean="0"/>
-              <a:t>3/12/2018</a:t>
+              <a:t>5/7/2018</a:t>
             </a:fld>
             <a:endParaRPr lang="en-US"/>
           </a:p>
@@ -3868,119 +4100,18 @@
           <a:prstGeom prst="rect">
             <a:avLst/>
           </a:prstGeom>
-          <a:noFill/>
-          <a:ln w="19050"/>
-        </p:spPr>
-        <p:style>
-          <a:lnRef idx="2">
-            <a:schemeClr val="accent1">
-              <a:shade val="50000"/>
+          <a:solidFill>
+            <a:schemeClr val="accent6">
+              <a:lumMod val="20000"/>
+              <a:lumOff val="80000"/>
             </a:schemeClr>
-          </a:lnRef>
-          <a:fillRef idx="1">
-            <a:schemeClr val="accent1"/>
-          </a:fillRef>
-          <a:effectRef idx="0">
-            <a:schemeClr val="accent1"/>
-          </a:effectRef>
-          <a:fontRef idx="minor">
-            <a:schemeClr val="lt1"/>
-          </a:fontRef>
-        </p:style>
-        <p:txBody>
-          <a:bodyPr rtlCol="0" anchor="ctr"/>
-          <a:lstStyle/>
-          <a:p>
-            <a:pPr algn="ctr"/>
-            <a:r>
-              <a:rPr lang="en-US" dirty="0">
-                <a:solidFill>
-                  <a:schemeClr val="tx2"/>
-                </a:solidFill>
-              </a:rPr>
-              <a:t>No bug</a:t>
-            </a:r>
-          </a:p>
-        </p:txBody>
-      </p:sp>
-      <p:sp>
-        <p:nvSpPr>
-          <p:cNvPr id="9" name="Rectangle 8">
-            <a:extLst>
-              <a:ext uri="{FF2B5EF4-FFF2-40B4-BE49-F238E27FC236}">
-                <a16:creationId xmlns:a16="http://schemas.microsoft.com/office/drawing/2014/main" id="{E62C4133-856F-455E-917A-7BDECDA9EDD2}"/>
-              </a:ext>
-            </a:extLst>
-          </p:cNvPr>
-          <p:cNvSpPr/>
-          <p:nvPr/>
-        </p:nvSpPr>
-        <p:spPr>
-          <a:xfrm>
-            <a:off x="4978090" y="2519766"/>
-            <a:ext cx="1485771" cy="909234"/>
-          </a:xfrm>
-          <a:prstGeom prst="rect">
-            <a:avLst/>
-          </a:prstGeom>
-          <a:noFill/>
-          <a:ln w="19050"/>
-        </p:spPr>
-        <p:style>
-          <a:lnRef idx="2">
-            <a:schemeClr val="accent1">
-              <a:shade val="50000"/>
-            </a:schemeClr>
-          </a:lnRef>
-          <a:fillRef idx="1">
-            <a:schemeClr val="accent1"/>
-          </a:fillRef>
-          <a:effectRef idx="0">
-            <a:schemeClr val="accent1"/>
-          </a:effectRef>
-          <a:fontRef idx="minor">
-            <a:schemeClr val="lt1"/>
-          </a:fontRef>
-        </p:style>
-        <p:txBody>
-          <a:bodyPr rtlCol="0" anchor="ctr"/>
-          <a:lstStyle/>
-          <a:p>
-            <a:pPr algn="ctr"/>
-            <a:r>
-              <a:rPr lang="en-US" dirty="0">
-                <a:solidFill>
-                  <a:schemeClr val="tx2"/>
-                </a:solidFill>
-              </a:rPr>
-              <a:t>Bug, addressed by prior work</a:t>
-            </a:r>
-          </a:p>
-        </p:txBody>
-      </p:sp>
-      <p:sp>
-        <p:nvSpPr>
-          <p:cNvPr id="10" name="Rectangle 9">
-            <a:extLst>
-              <a:ext uri="{FF2B5EF4-FFF2-40B4-BE49-F238E27FC236}">
-                <a16:creationId xmlns:a16="http://schemas.microsoft.com/office/drawing/2014/main" id="{1B079BE4-4ACF-44AB-AF07-BE0B2D3F253E}"/>
-              </a:ext>
-            </a:extLst>
-          </p:cNvPr>
-          <p:cNvSpPr/>
-          <p:nvPr/>
-        </p:nvSpPr>
-        <p:spPr>
-          <a:xfrm>
-            <a:off x="137582" y="3512427"/>
-            <a:ext cx="1063898" cy="628358"/>
-          </a:xfrm>
-          <a:prstGeom prst="rect">
-            <a:avLst/>
-          </a:prstGeom>
-          <a:noFill/>
+          </a:solidFill>
           <a:ln w="19050">
-            <a:prstDash val="lgDashDot"/>
+            <a:solidFill>
+              <a:schemeClr val="accent6">
+                <a:lumMod val="75000"/>
+              </a:schemeClr>
+            </a:solidFill>
           </a:ln>
         </p:spPr>
         <p:style>
@@ -4010,17 +4141,17 @@
                   <a:schemeClr val="tx2"/>
                 </a:solidFill>
               </a:rPr>
-              <a:t>?</a:t>
-            </a:r>
-          </a:p>
-        </p:txBody>
-      </p:sp>
-      <p:sp>
-        <p:nvSpPr>
-          <p:cNvPr id="11" name="Rectangle 10">
+              <a:t>No bug</a:t>
+            </a:r>
+          </a:p>
+        </p:txBody>
+      </p:sp>
+      <p:sp>
+        <p:nvSpPr>
+          <p:cNvPr id="9" name="Rectangle 8">
             <a:extLst>
               <a:ext uri="{FF2B5EF4-FFF2-40B4-BE49-F238E27FC236}">
-                <a16:creationId xmlns:a16="http://schemas.microsoft.com/office/drawing/2014/main" id="{810F3EA1-94BC-444E-8359-DA9DE7ABEE56}"/>
+                <a16:creationId xmlns:a16="http://schemas.microsoft.com/office/drawing/2014/main" id="{E62C4133-856F-455E-917A-7BDECDA9EDD2}"/>
               </a:ext>
             </a:extLst>
           </p:cNvPr>
@@ -4029,14 +4160,23 @@
         </p:nvSpPr>
         <p:spPr>
           <a:xfrm>
-            <a:off x="1879958" y="4526065"/>
-            <a:ext cx="1063898" cy="628358"/>
+            <a:off x="4971529" y="2279108"/>
+            <a:ext cx="1485771" cy="909234"/>
           </a:xfrm>
           <a:prstGeom prst="rect">
             <a:avLst/>
           </a:prstGeom>
-          <a:noFill/>
-          <a:ln w="19050"/>
+          <a:solidFill>
+            <a:schemeClr val="accent2">
+              <a:lumMod val="20000"/>
+              <a:lumOff val="80000"/>
+            </a:schemeClr>
+          </a:solidFill>
+          <a:ln w="19050">
+            <a:solidFill>
+              <a:srgbClr val="C00000"/>
+            </a:solidFill>
+          </a:ln>
         </p:spPr>
         <p:style>
           <a:lnRef idx="2">
@@ -4065,17 +4205,17 @@
                   <a:schemeClr val="tx2"/>
                 </a:solidFill>
               </a:rPr>
-              <a:t>No bug</a:t>
-            </a:r>
-          </a:p>
-        </p:txBody>
-      </p:sp>
-      <p:sp>
-        <p:nvSpPr>
-          <p:cNvPr id="13" name="Rectangle 12">
+              <a:t>Bug, addressed by prior work</a:t>
+            </a:r>
+          </a:p>
+        </p:txBody>
+      </p:sp>
+      <p:sp>
+        <p:nvSpPr>
+          <p:cNvPr id="11" name="Rectangle 10">
             <a:extLst>
               <a:ext uri="{FF2B5EF4-FFF2-40B4-BE49-F238E27FC236}">
-                <a16:creationId xmlns:a16="http://schemas.microsoft.com/office/drawing/2014/main" id="{E4E5A2D8-72B7-446F-8245-AA9E4F518E01}"/>
+                <a16:creationId xmlns:a16="http://schemas.microsoft.com/office/drawing/2014/main" id="{810F3EA1-94BC-444E-8359-DA9DE7ABEE56}"/>
               </a:ext>
             </a:extLst>
           </p:cNvPr>
@@ -4084,14 +4224,25 @@
         </p:nvSpPr>
         <p:spPr>
           <a:xfrm>
-            <a:off x="3617895" y="5598181"/>
+            <a:off x="1879958" y="4526065"/>
             <a:ext cx="1063898" cy="628358"/>
           </a:xfrm>
           <a:prstGeom prst="rect">
             <a:avLst/>
           </a:prstGeom>
-          <a:noFill/>
-          <a:ln w="19050"/>
+          <a:solidFill>
+            <a:schemeClr val="accent6">
+              <a:lumMod val="20000"/>
+              <a:lumOff val="80000"/>
+            </a:schemeClr>
+          </a:solidFill>
+          <a:ln w="19050">
+            <a:solidFill>
+              <a:schemeClr val="accent6">
+                <a:lumMod val="75000"/>
+              </a:schemeClr>
+            </a:solidFill>
+          </a:ln>
         </p:spPr>
         <p:style>
           <a:lnRef idx="2">
@@ -4127,6 +4278,72 @@
       </p:sp>
       <p:sp>
         <p:nvSpPr>
+          <p:cNvPr id="13" name="Rectangle 12">
+            <a:extLst>
+              <a:ext uri="{FF2B5EF4-FFF2-40B4-BE49-F238E27FC236}">
+                <a16:creationId xmlns:a16="http://schemas.microsoft.com/office/drawing/2014/main" id="{E4E5A2D8-72B7-446F-8245-AA9E4F518E01}"/>
+              </a:ext>
+            </a:extLst>
+          </p:cNvPr>
+          <p:cNvSpPr/>
+          <p:nvPr/>
+        </p:nvSpPr>
+        <p:spPr>
+          <a:xfrm>
+            <a:off x="3710663" y="5560297"/>
+            <a:ext cx="1063898" cy="628358"/>
+          </a:xfrm>
+          <a:prstGeom prst="rect">
+            <a:avLst/>
+          </a:prstGeom>
+          <a:solidFill>
+            <a:schemeClr val="accent6">
+              <a:lumMod val="20000"/>
+              <a:lumOff val="80000"/>
+            </a:schemeClr>
+          </a:solidFill>
+          <a:ln w="19050">
+            <a:solidFill>
+              <a:schemeClr val="accent6">
+                <a:lumMod val="75000"/>
+              </a:schemeClr>
+            </a:solidFill>
+          </a:ln>
+        </p:spPr>
+        <p:style>
+          <a:lnRef idx="2">
+            <a:schemeClr val="accent1">
+              <a:shade val="50000"/>
+            </a:schemeClr>
+          </a:lnRef>
+          <a:fillRef idx="1">
+            <a:schemeClr val="accent1"/>
+          </a:fillRef>
+          <a:effectRef idx="0">
+            <a:schemeClr val="accent1"/>
+          </a:effectRef>
+          <a:fontRef idx="minor">
+            <a:schemeClr val="lt1"/>
+          </a:fontRef>
+        </p:style>
+        <p:txBody>
+          <a:bodyPr rtlCol="0" anchor="ctr"/>
+          <a:lstStyle/>
+          <a:p>
+            <a:pPr algn="ctr"/>
+            <a:r>
+              <a:rPr lang="en-US" dirty="0">
+                <a:solidFill>
+                  <a:schemeClr val="tx2"/>
+                </a:solidFill>
+              </a:rPr>
+              <a:t>No bug</a:t>
+            </a:r>
+          </a:p>
+        </p:txBody>
+      </p:sp>
+      <p:sp>
+        <p:nvSpPr>
           <p:cNvPr id="14" name="Rectangle 13">
             <a:extLst>
               <a:ext uri="{FF2B5EF4-FFF2-40B4-BE49-F238E27FC236}">
@@ -4139,14 +4356,23 @@
         </p:nvSpPr>
         <p:spPr>
           <a:xfrm>
-            <a:off x="6688932" y="5598181"/>
+            <a:off x="6785394" y="5400306"/>
             <a:ext cx="1434342" cy="861098"/>
           </a:xfrm>
           <a:prstGeom prst="rect">
             <a:avLst/>
           </a:prstGeom>
-          <a:noFill/>
-          <a:ln w="19050"/>
+          <a:solidFill>
+            <a:schemeClr val="accent2">
+              <a:lumMod val="40000"/>
+              <a:lumOff val="60000"/>
+            </a:schemeClr>
+          </a:solidFill>
+          <a:ln w="38100">
+            <a:solidFill>
+              <a:srgbClr val="C00000"/>
+            </a:solidFill>
+          </a:ln>
         </p:spPr>
         <p:style>
           <a:lnRef idx="2">
@@ -4215,47 +4441,6 @@
           <a:xfrm flipH="1">
             <a:off x="1201480" y="1169928"/>
             <a:ext cx="550838" cy="532310"/>
-          </a:xfrm>
-          <a:prstGeom prst="straightConnector1">
-            <a:avLst/>
-          </a:prstGeom>
-          <a:ln>
-            <a:tailEnd type="triangle"/>
-          </a:ln>
-        </p:spPr>
-        <p:style>
-          <a:lnRef idx="3">
-            <a:schemeClr val="dk1"/>
-          </a:lnRef>
-          <a:fillRef idx="0">
-            <a:schemeClr val="dk1"/>
-          </a:fillRef>
-          <a:effectRef idx="2">
-            <a:schemeClr val="dk1"/>
-          </a:effectRef>
-          <a:fontRef idx="minor">
-            <a:schemeClr val="tx1"/>
-          </a:fontRef>
-        </p:style>
-      </p:cxnSp>
-      <p:cxnSp>
-        <p:nvCxnSpPr>
-          <p:cNvPr id="17" name="Straight Arrow Connector 16">
-            <a:extLst>
-              <a:ext uri="{FF2B5EF4-FFF2-40B4-BE49-F238E27FC236}">
-                <a16:creationId xmlns:a16="http://schemas.microsoft.com/office/drawing/2014/main" id="{7EC32797-5D9D-4EDC-AED5-7F3DB5370DC4}"/>
-              </a:ext>
-            </a:extLst>
-          </p:cNvPr>
-          <p:cNvCxnSpPr>
-            <a:cxnSpLocks/>
-          </p:cNvCxnSpPr>
-          <p:nvPr/>
-        </p:nvCxnSpPr>
-        <p:spPr>
-          <a:xfrm flipH="1">
-            <a:off x="1201481" y="3277671"/>
-            <a:ext cx="591890" cy="470192"/>
           </a:xfrm>
           <a:prstGeom prst="straightConnector1">
             <a:avLst/>
@@ -4332,7 +4517,7 @@
         </p:nvCxnSpPr>
         <p:spPr>
           <a:xfrm flipH="1">
-            <a:off x="4681793" y="5441488"/>
+            <a:off x="4782350" y="5359983"/>
             <a:ext cx="579473" cy="470872"/>
           </a:xfrm>
           <a:prstGeom prst="straightConnector1">
@@ -4373,8 +4558,8 @@
         </p:nvCxnSpPr>
         <p:spPr>
           <a:xfrm flipH="1">
-            <a:off x="2968821" y="2217638"/>
-            <a:ext cx="552249" cy="448719"/>
+            <a:off x="2756529" y="2250650"/>
+            <a:ext cx="732119" cy="394481"/>
           </a:xfrm>
           <a:prstGeom prst="straightConnector1">
             <a:avLst/>
@@ -4456,7 +4641,7 @@
         <p:spPr>
           <a:xfrm>
             <a:off x="4398618" y="2216291"/>
-            <a:ext cx="566350" cy="606950"/>
+            <a:ext cx="572911" cy="508430"/>
           </a:xfrm>
           <a:prstGeom prst="straightConnector1">
             <a:avLst/>
@@ -4491,13 +4676,14 @@
           </p:cNvPr>
           <p:cNvCxnSpPr>
             <a:cxnSpLocks/>
+            <a:endCxn id="38" idx="1"/>
           </p:cNvCxnSpPr>
           <p:nvPr/>
         </p:nvCxnSpPr>
         <p:spPr>
           <a:xfrm>
-            <a:off x="4405179" y="4421856"/>
-            <a:ext cx="442318" cy="428625"/>
+            <a:off x="4565160" y="4499483"/>
+            <a:ext cx="437528" cy="471003"/>
           </a:xfrm>
           <a:prstGeom prst="straightConnector1">
             <a:avLst/>
@@ -4537,8 +4723,8 @@
         </p:nvCxnSpPr>
         <p:spPr>
           <a:xfrm>
-            <a:off x="2611363" y="3277671"/>
-            <a:ext cx="531077" cy="502424"/>
+            <a:off x="2067098" y="3274366"/>
+            <a:ext cx="807764" cy="538405"/>
           </a:xfrm>
           <a:prstGeom prst="straightConnector1">
             <a:avLst/>
@@ -4573,13 +4759,14 @@
           </p:cNvPr>
           <p:cNvCxnSpPr>
             <a:cxnSpLocks/>
+            <a:endCxn id="14" idx="1"/>
           </p:cNvCxnSpPr>
           <p:nvPr/>
         </p:nvCxnSpPr>
         <p:spPr>
           <a:xfrm>
-            <a:off x="6092989" y="5441488"/>
-            <a:ext cx="566350" cy="606950"/>
+            <a:off x="6175456" y="5335949"/>
+            <a:ext cx="609938" cy="494906"/>
           </a:xfrm>
           <a:prstGeom prst="straightConnector1">
             <a:avLst/>
@@ -4605,10 +4792,325 @@
       </p:cxnSp>
       <p:sp>
         <p:nvSpPr>
-          <p:cNvPr id="43" name="Flowchart: Terminator 42">
+          <p:cNvPr id="2" name="TextBox 1">
             <a:extLst>
               <a:ext uri="{FF2B5EF4-FFF2-40B4-BE49-F238E27FC236}">
-                <a16:creationId xmlns:a16="http://schemas.microsoft.com/office/drawing/2014/main" id="{8497FBAE-AE69-4810-B463-79AFCE9F56E4}"/>
+                <a16:creationId xmlns:a16="http://schemas.microsoft.com/office/drawing/2014/main" id="{6C108D74-B6C5-4C51-8263-44B39B05CE88}"/>
+              </a:ext>
+            </a:extLst>
+          </p:cNvPr>
+          <p:cNvSpPr txBox="1"/>
+          <p:nvPr/>
+        </p:nvSpPr>
+        <p:spPr>
+          <a:xfrm>
+            <a:off x="2411907" y="1296627"/>
+            <a:ext cx="531950" cy="369332"/>
+          </a:xfrm>
+          <a:prstGeom prst="rect">
+            <a:avLst/>
+          </a:prstGeom>
+          <a:noFill/>
+        </p:spPr>
+        <p:txBody>
+          <a:bodyPr wrap="square" rtlCol="0">
+            <a:spAutoFit/>
+          </a:bodyPr>
+          <a:lstStyle/>
+          <a:p>
+            <a:r>
+              <a:rPr lang="en-US" dirty="0"/>
+              <a:t>Yes</a:t>
+            </a:r>
+          </a:p>
+        </p:txBody>
+      </p:sp>
+      <p:sp>
+        <p:nvSpPr>
+          <p:cNvPr id="28" name="TextBox 27">
+            <a:extLst>
+              <a:ext uri="{FF2B5EF4-FFF2-40B4-BE49-F238E27FC236}">
+                <a16:creationId xmlns:a16="http://schemas.microsoft.com/office/drawing/2014/main" id="{E5B97087-EC94-4596-B3F5-3FF8C66E243A}"/>
+              </a:ext>
+            </a:extLst>
+          </p:cNvPr>
+          <p:cNvSpPr txBox="1"/>
+          <p:nvPr/>
+        </p:nvSpPr>
+        <p:spPr>
+          <a:xfrm>
+            <a:off x="2025326" y="3591710"/>
+            <a:ext cx="531950" cy="369332"/>
+          </a:xfrm>
+          <a:prstGeom prst="rect">
+            <a:avLst/>
+          </a:prstGeom>
+          <a:noFill/>
+        </p:spPr>
+        <p:txBody>
+          <a:bodyPr wrap="square" rtlCol="0">
+            <a:spAutoFit/>
+          </a:bodyPr>
+          <a:lstStyle/>
+          <a:p>
+            <a:r>
+              <a:rPr lang="en-US" dirty="0"/>
+              <a:t>Yes</a:t>
+            </a:r>
+          </a:p>
+        </p:txBody>
+      </p:sp>
+      <p:sp>
+        <p:nvSpPr>
+          <p:cNvPr id="29" name="TextBox 28">
+            <a:extLst>
+              <a:ext uri="{FF2B5EF4-FFF2-40B4-BE49-F238E27FC236}">
+                <a16:creationId xmlns:a16="http://schemas.microsoft.com/office/drawing/2014/main" id="{6AF442C2-3AEA-459D-9A06-9EDDA58FC01B}"/>
+              </a:ext>
+            </a:extLst>
+          </p:cNvPr>
+          <p:cNvSpPr txBox="1"/>
+          <p:nvPr/>
+        </p:nvSpPr>
+        <p:spPr>
+          <a:xfrm>
+            <a:off x="4156404" y="2367676"/>
+            <a:ext cx="531950" cy="369332"/>
+          </a:xfrm>
+          <a:prstGeom prst="rect">
+            <a:avLst/>
+          </a:prstGeom>
+          <a:noFill/>
+        </p:spPr>
+        <p:txBody>
+          <a:bodyPr wrap="square" rtlCol="0">
+            <a:spAutoFit/>
+          </a:bodyPr>
+          <a:lstStyle/>
+          <a:p>
+            <a:r>
+              <a:rPr lang="en-US" dirty="0"/>
+              <a:t>Yes</a:t>
+            </a:r>
+          </a:p>
+        </p:txBody>
+      </p:sp>
+      <p:sp>
+        <p:nvSpPr>
+          <p:cNvPr id="30" name="TextBox 29">
+            <a:extLst>
+              <a:ext uri="{FF2B5EF4-FFF2-40B4-BE49-F238E27FC236}">
+                <a16:creationId xmlns:a16="http://schemas.microsoft.com/office/drawing/2014/main" id="{5F20A191-3E07-4B9D-8101-0307AD0444D4}"/>
+              </a:ext>
+            </a:extLst>
+          </p:cNvPr>
+          <p:cNvSpPr txBox="1"/>
+          <p:nvPr/>
+        </p:nvSpPr>
+        <p:spPr>
+          <a:xfrm>
+            <a:off x="4193191" y="4526065"/>
+            <a:ext cx="531950" cy="369332"/>
+          </a:xfrm>
+          <a:prstGeom prst="rect">
+            <a:avLst/>
+          </a:prstGeom>
+          <a:noFill/>
+        </p:spPr>
+        <p:txBody>
+          <a:bodyPr wrap="square" rtlCol="0">
+            <a:spAutoFit/>
+          </a:bodyPr>
+          <a:lstStyle/>
+          <a:p>
+            <a:r>
+              <a:rPr lang="en-US" dirty="0"/>
+              <a:t>Yes</a:t>
+            </a:r>
+          </a:p>
+        </p:txBody>
+      </p:sp>
+      <p:sp>
+        <p:nvSpPr>
+          <p:cNvPr id="31" name="TextBox 30">
+            <a:extLst>
+              <a:ext uri="{FF2B5EF4-FFF2-40B4-BE49-F238E27FC236}">
+                <a16:creationId xmlns:a16="http://schemas.microsoft.com/office/drawing/2014/main" id="{A4EE0277-5648-46C7-9A2F-A2099A39FEA1}"/>
+              </a:ext>
+            </a:extLst>
+          </p:cNvPr>
+          <p:cNvSpPr txBox="1"/>
+          <p:nvPr/>
+        </p:nvSpPr>
+        <p:spPr>
+          <a:xfrm>
+            <a:off x="6112603" y="5606422"/>
+            <a:ext cx="531950" cy="369332"/>
+          </a:xfrm>
+          <a:prstGeom prst="rect">
+            <a:avLst/>
+          </a:prstGeom>
+          <a:noFill/>
+        </p:spPr>
+        <p:txBody>
+          <a:bodyPr wrap="square" rtlCol="0">
+            <a:spAutoFit/>
+          </a:bodyPr>
+          <a:lstStyle/>
+          <a:p>
+            <a:r>
+              <a:rPr lang="en-US" dirty="0"/>
+              <a:t>Yes</a:t>
+            </a:r>
+          </a:p>
+        </p:txBody>
+      </p:sp>
+      <p:sp>
+        <p:nvSpPr>
+          <p:cNvPr id="32" name="TextBox 31">
+            <a:extLst>
+              <a:ext uri="{FF2B5EF4-FFF2-40B4-BE49-F238E27FC236}">
+                <a16:creationId xmlns:a16="http://schemas.microsoft.com/office/drawing/2014/main" id="{49C4637D-1E96-4CBB-A8A7-39B1E2AA92D4}"/>
+              </a:ext>
+            </a:extLst>
+          </p:cNvPr>
+          <p:cNvSpPr txBox="1"/>
+          <p:nvPr/>
+        </p:nvSpPr>
+        <p:spPr>
+          <a:xfrm>
+            <a:off x="1511035" y="1281967"/>
+            <a:ext cx="513188" cy="369332"/>
+          </a:xfrm>
+          <a:prstGeom prst="rect">
+            <a:avLst/>
+          </a:prstGeom>
+          <a:noFill/>
+        </p:spPr>
+        <p:txBody>
+          <a:bodyPr wrap="square" rtlCol="0">
+            <a:spAutoFit/>
+          </a:bodyPr>
+          <a:lstStyle/>
+          <a:p>
+            <a:r>
+              <a:rPr lang="en-US" dirty="0"/>
+              <a:t>No</a:t>
+            </a:r>
+          </a:p>
+        </p:txBody>
+      </p:sp>
+      <p:sp>
+        <p:nvSpPr>
+          <p:cNvPr id="34" name="TextBox 33">
+            <a:extLst>
+              <a:ext uri="{FF2B5EF4-FFF2-40B4-BE49-F238E27FC236}">
+                <a16:creationId xmlns:a16="http://schemas.microsoft.com/office/drawing/2014/main" id="{BF33E3A9-5BF0-4757-AB81-07B5040AF4FF}"/>
+              </a:ext>
+            </a:extLst>
+          </p:cNvPr>
+          <p:cNvSpPr txBox="1"/>
+          <p:nvPr/>
+        </p:nvSpPr>
+        <p:spPr>
+          <a:xfrm>
+            <a:off x="3253472" y="2364393"/>
+            <a:ext cx="513188" cy="369332"/>
+          </a:xfrm>
+          <a:prstGeom prst="rect">
+            <a:avLst/>
+          </a:prstGeom>
+          <a:noFill/>
+        </p:spPr>
+        <p:txBody>
+          <a:bodyPr wrap="square" rtlCol="0">
+            <a:spAutoFit/>
+          </a:bodyPr>
+          <a:lstStyle/>
+          <a:p>
+            <a:r>
+              <a:rPr lang="en-US" dirty="0"/>
+              <a:t>No</a:t>
+            </a:r>
+          </a:p>
+        </p:txBody>
+      </p:sp>
+      <p:sp>
+        <p:nvSpPr>
+          <p:cNvPr id="35" name="TextBox 34">
+            <a:extLst>
+              <a:ext uri="{FF2B5EF4-FFF2-40B4-BE49-F238E27FC236}">
+                <a16:creationId xmlns:a16="http://schemas.microsoft.com/office/drawing/2014/main" id="{B42C38C1-C749-45CF-A549-6D45FC736DAF}"/>
+              </a:ext>
+            </a:extLst>
+          </p:cNvPr>
+          <p:cNvSpPr txBox="1"/>
+          <p:nvPr/>
+        </p:nvSpPr>
+        <p:spPr>
+          <a:xfrm>
+            <a:off x="3273790" y="4526065"/>
+            <a:ext cx="513188" cy="369332"/>
+          </a:xfrm>
+          <a:prstGeom prst="rect">
+            <a:avLst/>
+          </a:prstGeom>
+          <a:noFill/>
+        </p:spPr>
+        <p:txBody>
+          <a:bodyPr wrap="square" rtlCol="0">
+            <a:spAutoFit/>
+          </a:bodyPr>
+          <a:lstStyle/>
+          <a:p>
+            <a:r>
+              <a:rPr lang="en-US" dirty="0"/>
+              <a:t>No</a:t>
+            </a:r>
+          </a:p>
+        </p:txBody>
+      </p:sp>
+      <p:sp>
+        <p:nvSpPr>
+          <p:cNvPr id="36" name="TextBox 35">
+            <a:extLst>
+              <a:ext uri="{FF2B5EF4-FFF2-40B4-BE49-F238E27FC236}">
+                <a16:creationId xmlns:a16="http://schemas.microsoft.com/office/drawing/2014/main" id="{2EF8F0AE-C231-41F9-B7E8-C47D16F5E0FD}"/>
+              </a:ext>
+            </a:extLst>
+          </p:cNvPr>
+          <p:cNvSpPr txBox="1"/>
+          <p:nvPr/>
+        </p:nvSpPr>
+        <p:spPr>
+          <a:xfrm>
+            <a:off x="5209178" y="5565875"/>
+            <a:ext cx="513188" cy="369332"/>
+          </a:xfrm>
+          <a:prstGeom prst="rect">
+            <a:avLst/>
+          </a:prstGeom>
+          <a:noFill/>
+        </p:spPr>
+        <p:txBody>
+          <a:bodyPr wrap="square" rtlCol="0">
+            <a:spAutoFit/>
+          </a:bodyPr>
+          <a:lstStyle/>
+          <a:p>
+            <a:r>
+              <a:rPr lang="en-US" dirty="0"/>
+              <a:t>No</a:t>
+            </a:r>
+          </a:p>
+        </p:txBody>
+      </p:sp>
+      <p:sp>
+        <p:nvSpPr>
+          <p:cNvPr id="4" name="Rectangle: Rounded Corners 3">
+            <a:extLst>
+              <a:ext uri="{FF2B5EF4-FFF2-40B4-BE49-F238E27FC236}">
+                <a16:creationId xmlns:a16="http://schemas.microsoft.com/office/drawing/2014/main" id="{F41F9602-F0FE-4A47-94E1-22A8F043B260}"/>
               </a:ext>
             </a:extLst>
           </p:cNvPr>
@@ -4617,14 +5119,16 @@
         </p:nvSpPr>
         <p:spPr>
           <a:xfrm>
-            <a:off x="1080075" y="82263"/>
-            <a:ext cx="2537819" cy="1095121"/>
+            <a:off x="951387" y="97258"/>
+            <a:ext cx="2406954" cy="1133770"/>
           </a:xfrm>
-          <a:prstGeom prst="flowChartTerminator">
+          <a:prstGeom prst="roundRect">
             <a:avLst/>
           </a:prstGeom>
-          <a:noFill/>
-          <a:ln w="19050"/>
+          <a:solidFill>
+            <a:schemeClr val="bg1"/>
+          </a:solidFill>
+          <a:ln w="28575"/>
         </p:spPr>
         <p:style>
           <a:lnRef idx="2">
@@ -4650,20 +5154,20 @@
             <a:r>
               <a:rPr lang="en-US" dirty="0">
                 <a:solidFill>
-                  <a:schemeClr val="tx2"/>
+                  <a:schemeClr val="tx1"/>
                 </a:solidFill>
               </a:rPr>
-              <a:t>Does re-executing program region have non-idempotent behavior?</a:t>
-            </a:r>
-          </a:p>
-        </p:txBody>
-      </p:sp>
-      <p:sp>
-        <p:nvSpPr>
-          <p:cNvPr id="48" name="Flowchart: Terminator 47">
+              <a:t>Does the re-executing program region have non-idempotent behavior?</a:t>
+            </a:r>
+          </a:p>
+        </p:txBody>
+      </p:sp>
+      <p:sp>
+        <p:nvSpPr>
+          <p:cNvPr id="37" name="Rectangle: Rounded Corners 36">
             <a:extLst>
               <a:ext uri="{FF2B5EF4-FFF2-40B4-BE49-F238E27FC236}">
-                <a16:creationId xmlns:a16="http://schemas.microsoft.com/office/drawing/2014/main" id="{E90EA782-E227-4E14-B536-414B0360471F}"/>
+                <a16:creationId xmlns:a16="http://schemas.microsoft.com/office/drawing/2014/main" id="{C82CEE56-484F-431E-AC5B-7523C607294D}"/>
               </a:ext>
             </a:extLst>
           </p:cNvPr>
@@ -4672,14 +5176,16 @@
         </p:nvSpPr>
         <p:spPr>
           <a:xfrm>
-            <a:off x="1068289" y="2017503"/>
-            <a:ext cx="2198980" cy="1296608"/>
+            <a:off x="3206555" y="1498017"/>
+            <a:ext cx="1608309" cy="752633"/>
           </a:xfrm>
-          <a:prstGeom prst="flowChartTerminator">
+          <a:prstGeom prst="roundRect">
             <a:avLst/>
           </a:prstGeom>
-          <a:noFill/>
-          <a:ln w="19050"/>
+          <a:solidFill>
+            <a:schemeClr val="bg1"/>
+          </a:solidFill>
+          <a:ln w="28575"/>
         </p:spPr>
         <p:style>
           <a:lnRef idx="2">
@@ -4698,35 +5204,27 @@
           </a:fontRef>
         </p:style>
         <p:txBody>
-          <a:bodyPr bIns="640080" rtlCol="0" anchor="t" anchorCtr="0"/>
+          <a:bodyPr rtlCol="0" anchor="ctr"/>
           <a:lstStyle/>
           <a:p>
             <a:pPr algn="ctr"/>
             <a:r>
               <a:rPr lang="en-US" dirty="0">
                 <a:solidFill>
-                  <a:schemeClr val="tx2"/>
+                  <a:schemeClr val="tx1"/>
                 </a:solidFill>
               </a:rPr>
-              <a:t>Is it there a control dependence on I/O?</a:t>
-            </a:r>
-          </a:p>
-          <a:p>
-            <a:pPr algn="ctr"/>
-            <a:endParaRPr lang="en-US" dirty="0">
-              <a:solidFill>
-                <a:schemeClr val="tx2"/>
-              </a:solidFill>
-            </a:endParaRPr>
-          </a:p>
-        </p:txBody>
-      </p:sp>
-      <p:sp>
-        <p:nvSpPr>
-          <p:cNvPr id="50" name="Flowchart: Terminator 49">
+              <a:t>Is it a WAR dependence?</a:t>
+            </a:r>
+          </a:p>
+        </p:txBody>
+      </p:sp>
+      <p:sp>
+        <p:nvSpPr>
+          <p:cNvPr id="38" name="Rectangle: Rounded Corners 37">
             <a:extLst>
               <a:ext uri="{FF2B5EF4-FFF2-40B4-BE49-F238E27FC236}">
-                <a16:creationId xmlns:a16="http://schemas.microsoft.com/office/drawing/2014/main" id="{CA65F253-74C8-4282-87AD-C4B93A2269B4}"/>
+                <a16:creationId xmlns:a16="http://schemas.microsoft.com/office/drawing/2014/main" id="{5D2B5DC2-AE0E-44E5-81E9-06A464F3BBB1}"/>
               </a:ext>
             </a:extLst>
           </p:cNvPr>
@@ -4735,14 +5233,16 @@
         </p:nvSpPr>
         <p:spPr>
           <a:xfrm>
-            <a:off x="3193837" y="1388059"/>
-            <a:ext cx="1494517" cy="822924"/>
+            <a:off x="5002688" y="4594169"/>
+            <a:ext cx="1686244" cy="752633"/>
           </a:xfrm>
-          <a:prstGeom prst="flowChartTerminator">
+          <a:prstGeom prst="roundRect">
             <a:avLst/>
           </a:prstGeom>
-          <a:noFill/>
-          <a:ln w="19050"/>
+          <a:solidFill>
+            <a:schemeClr val="bg1"/>
+          </a:solidFill>
+          <a:ln w="28575"/>
         </p:spPr>
         <p:style>
           <a:lnRef idx="2">
@@ -4761,32 +5261,27 @@
           </a:fontRef>
         </p:style>
         <p:txBody>
-          <a:bodyPr bIns="640080" rtlCol="0" anchor="t" anchorCtr="0"/>
+          <a:bodyPr rtlCol="0" anchor="ctr"/>
           <a:lstStyle/>
           <a:p>
             <a:pPr algn="ctr"/>
             <a:r>
-              <a:rPr lang="en-US">
+              <a:rPr lang="en-US" dirty="0">
                 <a:solidFill>
-                  <a:schemeClr val="tx2"/>
+                  <a:schemeClr val="tx1"/>
                 </a:solidFill>
               </a:rPr>
-              <a:t>Is it WAR dependent?</a:t>
-            </a:r>
-            <a:endParaRPr lang="en-US" dirty="0">
-              <a:solidFill>
-                <a:schemeClr val="tx2"/>
-              </a:solidFill>
-            </a:endParaRPr>
-          </a:p>
-        </p:txBody>
-      </p:sp>
-      <p:sp>
-        <p:nvSpPr>
-          <p:cNvPr id="51" name="Flowchart: Terminator 50">
+              <a:t>Are the tainted values used?</a:t>
+            </a:r>
+          </a:p>
+        </p:txBody>
+      </p:sp>
+      <p:sp>
+        <p:nvSpPr>
+          <p:cNvPr id="39" name="Rectangle: Rounded Corners 38">
             <a:extLst>
               <a:ext uri="{FF2B5EF4-FFF2-40B4-BE49-F238E27FC236}">
-                <a16:creationId xmlns:a16="http://schemas.microsoft.com/office/drawing/2014/main" id="{7858D214-2DE4-471B-8C8E-AA7E08DA1BAC}"/>
+                <a16:creationId xmlns:a16="http://schemas.microsoft.com/office/drawing/2014/main" id="{DC6B8095-D871-4C95-8364-E1A998E590DF}"/>
               </a:ext>
             </a:extLst>
           </p:cNvPr>
@@ -4795,14 +5290,16 @@
         </p:nvSpPr>
         <p:spPr>
           <a:xfrm>
-            <a:off x="3037130" y="3072866"/>
-            <a:ext cx="2279009" cy="1337010"/>
+            <a:off x="849657" y="2387610"/>
+            <a:ext cx="1917825" cy="896797"/>
           </a:xfrm>
-          <a:prstGeom prst="flowChartTerminator">
+          <a:prstGeom prst="roundRect">
             <a:avLst/>
           </a:prstGeom>
-          <a:noFill/>
-          <a:ln w="19050"/>
+          <a:solidFill>
+            <a:schemeClr val="bg1"/>
+          </a:solidFill>
+          <a:ln w="28575"/>
         </p:spPr>
         <p:style>
           <a:lnRef idx="2">
@@ -4821,35 +5318,27 @@
           </a:fontRef>
         </p:style>
         <p:txBody>
-          <a:bodyPr bIns="822960" rtlCol="0" anchor="t" anchorCtr="0"/>
+          <a:bodyPr rtlCol="0" anchor="ctr"/>
           <a:lstStyle/>
           <a:p>
             <a:pPr algn="ctr"/>
             <a:r>
               <a:rPr lang="en-US" dirty="0">
                 <a:solidFill>
-                  <a:schemeClr val="tx2"/>
+                  <a:schemeClr val="tx1"/>
                 </a:solidFill>
               </a:rPr>
-              <a:t>Does the I/O tainted control write to NV memory?</a:t>
-            </a:r>
-          </a:p>
-          <a:p>
-            <a:pPr algn="ctr"/>
-            <a:endParaRPr lang="en-US" dirty="0">
-              <a:solidFill>
-                <a:schemeClr val="tx2"/>
-              </a:solidFill>
-            </a:endParaRPr>
-          </a:p>
-        </p:txBody>
-      </p:sp>
-      <p:sp>
-        <p:nvSpPr>
-          <p:cNvPr id="52" name="Flowchart: Terminator 51">
+              <a:t>Is there a control dependence on I/O</a:t>
+            </a:r>
+          </a:p>
+        </p:txBody>
+      </p:sp>
+      <p:sp>
+        <p:nvSpPr>
+          <p:cNvPr id="40" name="Rectangle: Rounded Corners 39">
             <a:extLst>
               <a:ext uri="{FF2B5EF4-FFF2-40B4-BE49-F238E27FC236}">
-                <a16:creationId xmlns:a16="http://schemas.microsoft.com/office/drawing/2014/main" id="{B2E7B031-94FE-4897-87BB-EDD3570FA312}"/>
+                <a16:creationId xmlns:a16="http://schemas.microsoft.com/office/drawing/2014/main" id="{73AB6B3B-2360-44C4-A678-E3B5EA19DBA1}"/>
               </a:ext>
             </a:extLst>
           </p:cNvPr>
@@ -4858,14 +5347,16 @@
         </p:nvSpPr>
         <p:spPr>
           <a:xfrm>
-            <a:off x="4847497" y="4570305"/>
-            <a:ext cx="1686244" cy="859203"/>
+            <a:off x="2874862" y="3492749"/>
+            <a:ext cx="2227072" cy="1006734"/>
           </a:xfrm>
-          <a:prstGeom prst="flowChartTerminator">
+          <a:prstGeom prst="roundRect">
             <a:avLst/>
           </a:prstGeom>
-          <a:noFill/>
-          <a:ln w="19050"/>
+          <a:solidFill>
+            <a:schemeClr val="bg1"/>
+          </a:solidFill>
+          <a:ln w="28575"/>
         </p:spPr>
         <p:style>
           <a:lnRef idx="2">
@@ -4884,375 +5375,17 @@
           </a:fontRef>
         </p:style>
         <p:txBody>
-          <a:bodyPr bIns="914400" rtlCol="0" anchor="t" anchorCtr="0"/>
+          <a:bodyPr rtlCol="0" anchor="ctr"/>
           <a:lstStyle/>
           <a:p>
             <a:pPr algn="ctr"/>
             <a:r>
               <a:rPr lang="en-US" dirty="0">
                 <a:solidFill>
-                  <a:schemeClr val="tx2"/>
+                  <a:schemeClr val="tx1"/>
                 </a:solidFill>
               </a:rPr>
-              <a:t>Are the tainted values used?</a:t>
-            </a:r>
-          </a:p>
-          <a:p>
-            <a:pPr algn="ctr"/>
-            <a:endParaRPr lang="en-US" dirty="0">
-              <a:solidFill>
-                <a:schemeClr val="tx2"/>
-              </a:solidFill>
-            </a:endParaRPr>
-          </a:p>
-        </p:txBody>
-      </p:sp>
-      <p:sp>
-        <p:nvSpPr>
-          <p:cNvPr id="2" name="TextBox 1">
-            <a:extLst>
-              <a:ext uri="{FF2B5EF4-FFF2-40B4-BE49-F238E27FC236}">
-                <a16:creationId xmlns:a16="http://schemas.microsoft.com/office/drawing/2014/main" id="{6C108D74-B6C5-4C51-8263-44B39B05CE88}"/>
-              </a:ext>
-            </a:extLst>
-          </p:cNvPr>
-          <p:cNvSpPr txBox="1"/>
-          <p:nvPr/>
-        </p:nvSpPr>
-        <p:spPr>
-          <a:xfrm>
-            <a:off x="2411907" y="1296627"/>
-            <a:ext cx="531950" cy="369332"/>
-          </a:xfrm>
-          <a:prstGeom prst="rect">
-            <a:avLst/>
-          </a:prstGeom>
-          <a:noFill/>
-        </p:spPr>
-        <p:txBody>
-          <a:bodyPr wrap="square" rtlCol="0">
-            <a:spAutoFit/>
-          </a:bodyPr>
-          <a:lstStyle/>
-          <a:p>
-            <a:r>
-              <a:rPr lang="en-US" dirty="0"/>
-              <a:t>Yes</a:t>
-            </a:r>
-          </a:p>
-        </p:txBody>
-      </p:sp>
-      <p:sp>
-        <p:nvSpPr>
-          <p:cNvPr id="28" name="TextBox 27">
-            <a:extLst>
-              <a:ext uri="{FF2B5EF4-FFF2-40B4-BE49-F238E27FC236}">
-                <a16:creationId xmlns:a16="http://schemas.microsoft.com/office/drawing/2014/main" id="{E5B97087-EC94-4596-B3F5-3FF8C66E243A}"/>
-              </a:ext>
-            </a:extLst>
-          </p:cNvPr>
-          <p:cNvSpPr txBox="1"/>
-          <p:nvPr/>
-        </p:nvSpPr>
-        <p:spPr>
-          <a:xfrm>
-            <a:off x="2356064" y="3353738"/>
-            <a:ext cx="531950" cy="369332"/>
-          </a:xfrm>
-          <a:prstGeom prst="rect">
-            <a:avLst/>
-          </a:prstGeom>
-          <a:noFill/>
-        </p:spPr>
-        <p:txBody>
-          <a:bodyPr wrap="square" rtlCol="0">
-            <a:spAutoFit/>
-          </a:bodyPr>
-          <a:lstStyle/>
-          <a:p>
-            <a:r>
-              <a:rPr lang="en-US" dirty="0"/>
-              <a:t>Yes</a:t>
-            </a:r>
-          </a:p>
-        </p:txBody>
-      </p:sp>
-      <p:sp>
-        <p:nvSpPr>
-          <p:cNvPr id="29" name="TextBox 28">
-            <a:extLst>
-              <a:ext uri="{FF2B5EF4-FFF2-40B4-BE49-F238E27FC236}">
-                <a16:creationId xmlns:a16="http://schemas.microsoft.com/office/drawing/2014/main" id="{6AF442C2-3AEA-459D-9A06-9EDDA58FC01B}"/>
-              </a:ext>
-            </a:extLst>
-          </p:cNvPr>
-          <p:cNvSpPr txBox="1"/>
-          <p:nvPr/>
-        </p:nvSpPr>
-        <p:spPr>
-          <a:xfrm>
-            <a:off x="4156404" y="2367676"/>
-            <a:ext cx="531950" cy="369332"/>
-          </a:xfrm>
-          <a:prstGeom prst="rect">
-            <a:avLst/>
-          </a:prstGeom>
-          <a:noFill/>
-        </p:spPr>
-        <p:txBody>
-          <a:bodyPr wrap="square" rtlCol="0">
-            <a:spAutoFit/>
-          </a:bodyPr>
-          <a:lstStyle/>
-          <a:p>
-            <a:r>
-              <a:rPr lang="en-US" dirty="0"/>
-              <a:t>Yes</a:t>
-            </a:r>
-          </a:p>
-        </p:txBody>
-      </p:sp>
-      <p:sp>
-        <p:nvSpPr>
-          <p:cNvPr id="30" name="TextBox 29">
-            <a:extLst>
-              <a:ext uri="{FF2B5EF4-FFF2-40B4-BE49-F238E27FC236}">
-                <a16:creationId xmlns:a16="http://schemas.microsoft.com/office/drawing/2014/main" id="{5F20A191-3E07-4B9D-8101-0307AD0444D4}"/>
-              </a:ext>
-            </a:extLst>
-          </p:cNvPr>
-          <p:cNvSpPr txBox="1"/>
-          <p:nvPr/>
-        </p:nvSpPr>
-        <p:spPr>
-          <a:xfrm>
-            <a:off x="4193191" y="4526065"/>
-            <a:ext cx="531950" cy="369332"/>
-          </a:xfrm>
-          <a:prstGeom prst="rect">
-            <a:avLst/>
-          </a:prstGeom>
-          <a:noFill/>
-        </p:spPr>
-        <p:txBody>
-          <a:bodyPr wrap="square" rtlCol="0">
-            <a:spAutoFit/>
-          </a:bodyPr>
-          <a:lstStyle/>
-          <a:p>
-            <a:r>
-              <a:rPr lang="en-US" dirty="0"/>
-              <a:t>Yes</a:t>
-            </a:r>
-          </a:p>
-        </p:txBody>
-      </p:sp>
-      <p:sp>
-        <p:nvSpPr>
-          <p:cNvPr id="31" name="TextBox 30">
-            <a:extLst>
-              <a:ext uri="{FF2B5EF4-FFF2-40B4-BE49-F238E27FC236}">
-                <a16:creationId xmlns:a16="http://schemas.microsoft.com/office/drawing/2014/main" id="{A4EE0277-5648-46C7-9A2F-A2099A39FEA1}"/>
-              </a:ext>
-            </a:extLst>
-          </p:cNvPr>
-          <p:cNvSpPr txBox="1"/>
-          <p:nvPr/>
-        </p:nvSpPr>
-        <p:spPr>
-          <a:xfrm>
-            <a:off x="5881115" y="5560297"/>
-            <a:ext cx="531950" cy="369332"/>
-          </a:xfrm>
-          <a:prstGeom prst="rect">
-            <a:avLst/>
-          </a:prstGeom>
-          <a:noFill/>
-        </p:spPr>
-        <p:txBody>
-          <a:bodyPr wrap="square" rtlCol="0">
-            <a:spAutoFit/>
-          </a:bodyPr>
-          <a:lstStyle/>
-          <a:p>
-            <a:r>
-              <a:rPr lang="en-US" dirty="0"/>
-              <a:t>Yes</a:t>
-            </a:r>
-          </a:p>
-        </p:txBody>
-      </p:sp>
-      <p:sp>
-        <p:nvSpPr>
-          <p:cNvPr id="32" name="TextBox 31">
-            <a:extLst>
-              <a:ext uri="{FF2B5EF4-FFF2-40B4-BE49-F238E27FC236}">
-                <a16:creationId xmlns:a16="http://schemas.microsoft.com/office/drawing/2014/main" id="{49C4637D-1E96-4CBB-A8A7-39B1E2AA92D4}"/>
-              </a:ext>
-            </a:extLst>
-          </p:cNvPr>
-          <p:cNvSpPr txBox="1"/>
-          <p:nvPr/>
-        </p:nvSpPr>
-        <p:spPr>
-          <a:xfrm>
-            <a:off x="1511035" y="1281967"/>
-            <a:ext cx="513188" cy="369332"/>
-          </a:xfrm>
-          <a:prstGeom prst="rect">
-            <a:avLst/>
-          </a:prstGeom>
-          <a:noFill/>
-        </p:spPr>
-        <p:txBody>
-          <a:bodyPr wrap="square" rtlCol="0">
-            <a:spAutoFit/>
-          </a:bodyPr>
-          <a:lstStyle/>
-          <a:p>
-            <a:r>
-              <a:rPr lang="en-US" dirty="0"/>
-              <a:t>No</a:t>
-            </a:r>
-          </a:p>
-        </p:txBody>
-      </p:sp>
-      <p:sp>
-        <p:nvSpPr>
-          <p:cNvPr id="33" name="TextBox 32">
-            <a:extLst>
-              <a:ext uri="{FF2B5EF4-FFF2-40B4-BE49-F238E27FC236}">
-                <a16:creationId xmlns:a16="http://schemas.microsoft.com/office/drawing/2014/main" id="{E3FACBB3-F2CD-45BB-9A5B-5AA665280456}"/>
-              </a:ext>
-            </a:extLst>
-          </p:cNvPr>
-          <p:cNvSpPr txBox="1"/>
-          <p:nvPr/>
-        </p:nvSpPr>
-        <p:spPr>
-          <a:xfrm>
-            <a:off x="1511035" y="3353738"/>
-            <a:ext cx="513188" cy="369332"/>
-          </a:xfrm>
-          <a:prstGeom prst="rect">
-            <a:avLst/>
-          </a:prstGeom>
-          <a:noFill/>
-        </p:spPr>
-        <p:txBody>
-          <a:bodyPr wrap="square" rtlCol="0">
-            <a:spAutoFit/>
-          </a:bodyPr>
-          <a:lstStyle/>
-          <a:p>
-            <a:r>
-              <a:rPr lang="en-US" dirty="0"/>
-              <a:t>No</a:t>
-            </a:r>
-          </a:p>
-        </p:txBody>
-      </p:sp>
-      <p:sp>
-        <p:nvSpPr>
-          <p:cNvPr id="34" name="TextBox 33">
-            <a:extLst>
-              <a:ext uri="{FF2B5EF4-FFF2-40B4-BE49-F238E27FC236}">
-                <a16:creationId xmlns:a16="http://schemas.microsoft.com/office/drawing/2014/main" id="{BF33E3A9-5BF0-4757-AB81-07B5040AF4FF}"/>
-              </a:ext>
-            </a:extLst>
-          </p:cNvPr>
-          <p:cNvSpPr txBox="1"/>
-          <p:nvPr/>
-        </p:nvSpPr>
-        <p:spPr>
-          <a:xfrm>
-            <a:off x="3253472" y="2364393"/>
-            <a:ext cx="513188" cy="369332"/>
-          </a:xfrm>
-          <a:prstGeom prst="rect">
-            <a:avLst/>
-          </a:prstGeom>
-          <a:noFill/>
-        </p:spPr>
-        <p:txBody>
-          <a:bodyPr wrap="square" rtlCol="0">
-            <a:spAutoFit/>
-          </a:bodyPr>
-          <a:lstStyle/>
-          <a:p>
-            <a:r>
-              <a:rPr lang="en-US" dirty="0"/>
-              <a:t>No</a:t>
-            </a:r>
-          </a:p>
-        </p:txBody>
-      </p:sp>
-      <p:sp>
-        <p:nvSpPr>
-          <p:cNvPr id="35" name="TextBox 34">
-            <a:extLst>
-              <a:ext uri="{FF2B5EF4-FFF2-40B4-BE49-F238E27FC236}">
-                <a16:creationId xmlns:a16="http://schemas.microsoft.com/office/drawing/2014/main" id="{B42C38C1-C749-45CF-A549-6D45FC736DAF}"/>
-              </a:ext>
-            </a:extLst>
-          </p:cNvPr>
-          <p:cNvSpPr txBox="1"/>
-          <p:nvPr/>
-        </p:nvSpPr>
-        <p:spPr>
-          <a:xfrm>
-            <a:off x="3273790" y="4526065"/>
-            <a:ext cx="513188" cy="369332"/>
-          </a:xfrm>
-          <a:prstGeom prst="rect">
-            <a:avLst/>
-          </a:prstGeom>
-          <a:noFill/>
-        </p:spPr>
-        <p:txBody>
-          <a:bodyPr wrap="square" rtlCol="0">
-            <a:spAutoFit/>
-          </a:bodyPr>
-          <a:lstStyle/>
-          <a:p>
-            <a:r>
-              <a:rPr lang="en-US" dirty="0"/>
-              <a:t>No</a:t>
-            </a:r>
-          </a:p>
-        </p:txBody>
-      </p:sp>
-      <p:sp>
-        <p:nvSpPr>
-          <p:cNvPr id="36" name="TextBox 35">
-            <a:extLst>
-              <a:ext uri="{FF2B5EF4-FFF2-40B4-BE49-F238E27FC236}">
-                <a16:creationId xmlns:a16="http://schemas.microsoft.com/office/drawing/2014/main" id="{2EF8F0AE-C231-41F9-B7E8-C47D16F5E0FD}"/>
-              </a:ext>
-            </a:extLst>
-          </p:cNvPr>
-          <p:cNvSpPr txBox="1"/>
-          <p:nvPr/>
-        </p:nvSpPr>
-        <p:spPr>
-          <a:xfrm>
-            <a:off x="4971529" y="5562499"/>
-            <a:ext cx="513188" cy="369332"/>
-          </a:xfrm>
-          <a:prstGeom prst="rect">
-            <a:avLst/>
-          </a:prstGeom>
-          <a:noFill/>
-        </p:spPr>
-        <p:txBody>
-          <a:bodyPr wrap="square" rtlCol="0">
-            <a:spAutoFit/>
-          </a:bodyPr>
-          <a:lstStyle/>
-          <a:p>
-            <a:r>
-              <a:rPr lang="en-US" dirty="0"/>
-              <a:t>No</a:t>
+              <a:t>Does the I/O tainted control write to NV memory?</a:t>
             </a:r>
           </a:p>
         </p:txBody>
